--- a/admin-files/weekly_updates/E047_WeeklyUpdate8_20211006.pptx
+++ b/admin-files/weekly_updates/E047_WeeklyUpdate8_20211006.pptx
@@ -261,7 +261,7 @@
           <a:p>
             <a:fld id="{86D20A5D-9325-1845-BAF8-CC2B99470E01}" type="datetimeFigureOut">
               <a:rPr lang="en-US" smtClean="0"/>
-              <a:t>10/6/2021</a:t>
+              <a:t>10/11/2021</a:t>
             </a:fld>
             <a:endParaRPr lang="en-US"/>
           </a:p>
@@ -426,7 +426,7 @@
           <a:p>
             <a:fld id="{B309A9EB-8604-DA4D-81F2-25590ED6AF72}" type="datetimeFigureOut">
               <a:rPr lang="en-US" smtClean="0"/>
-              <a:t>10/6/2021</a:t>
+              <a:t>10/11/2021</a:t>
             </a:fld>
             <a:endParaRPr lang="en-US"/>
           </a:p>
@@ -9071,7 +9071,74 @@
           <a:bodyPr/>
           <a:lstStyle/>
           <a:p>
-            <a:endParaRPr lang="en-MY"/>
+            <a:r>
+              <a:rPr lang="en-MY" dirty="0"/>
+              <a:t>Data Collection</a:t>
+            </a:r>
+          </a:p>
+          <a:p>
+            <a:pPr marL="0" indent="0">
+              <a:buNone/>
+            </a:pPr>
+            <a:r>
+              <a:rPr lang="en-MY" dirty="0"/>
+              <a:t>During the process of data collection, We had finalised the range interval to be 0.2m-0.5m. The range was chosen as such is because it can detect proper peaks</a:t>
+            </a:r>
+          </a:p>
+          <a:p>
+            <a:pPr marL="0" indent="0">
+              <a:buNone/>
+            </a:pPr>
+            <a:endParaRPr lang="en-MY" dirty="0"/>
+          </a:p>
+          <a:p>
+            <a:pPr marL="0" indent="0">
+              <a:buNone/>
+            </a:pPr>
+            <a:r>
+              <a:rPr lang="en-MY" dirty="0"/>
+              <a:t>During the process, we had tried various different parameters namely adjusting the followings. </a:t>
+            </a:r>
+          </a:p>
+          <a:p>
+            <a:pPr marL="457200" indent="-457200">
+              <a:buAutoNum type="arabicParenR"/>
+            </a:pPr>
+            <a:r>
+              <a:rPr lang="en-MY" dirty="0"/>
+              <a:t>Smoothing factor ( 0.9 )</a:t>
+            </a:r>
+          </a:p>
+          <a:p>
+            <a:pPr marL="457200" indent="-457200">
+              <a:buAutoNum type="arabicParenR"/>
+            </a:pPr>
+            <a:r>
+              <a:rPr lang="en-MY" dirty="0" err="1"/>
+              <a:t>Downsampling</a:t>
+            </a:r>
+            <a:r>
+              <a:rPr lang="en-MY" dirty="0"/>
+              <a:t> factor.</a:t>
+            </a:r>
+          </a:p>
+          <a:p>
+            <a:pPr marL="457200" indent="-457200">
+              <a:buAutoNum type="arabicParenR"/>
+            </a:pPr>
+            <a:r>
+              <a:rPr lang="en-MY" dirty="0"/>
+              <a:t>HW acceleration average samples.</a:t>
+            </a:r>
+          </a:p>
+          <a:p>
+            <a:pPr marL="0" indent="0">
+              <a:buNone/>
+            </a:pPr>
+            <a:r>
+              <a:rPr lang="en-MY" dirty="0"/>
+              <a:t>One key observation made during the data collection, When the gesture tend to be rapid, the sensor was not able to pick up any peaks, hence we have to slow down our hand gesture in order for the radar to peak up sensible data. </a:t>
+            </a:r>
           </a:p>
         </p:txBody>
       </p:sp>
